--- a/resources/chapter 1 summary.pptx
+++ b/resources/chapter 1 summary.pptx
@@ -268,7 +268,7 @@
           <a:p>
             <a:fld id="{AE273AFF-4CF1-4D47-9583-E1EF9B287728}" type="datetimeFigureOut">
               <a:rPr kumimoji="1" lang="ko-Kore-KR" altLang="en-US" smtClean="0"/>
-              <a:t>2020. 7. 10.</a:t>
+              <a:t>7/24/20</a:t>
             </a:fld>
             <a:endParaRPr kumimoji="1" lang="ko-Kore-KR" altLang="en-US"/>
           </a:p>
@@ -468,7 +468,7 @@
           <a:p>
             <a:fld id="{AE273AFF-4CF1-4D47-9583-E1EF9B287728}" type="datetimeFigureOut">
               <a:rPr kumimoji="1" lang="ko-Kore-KR" altLang="en-US" smtClean="0"/>
-              <a:t>2020. 7. 10.</a:t>
+              <a:t>7/24/20</a:t>
             </a:fld>
             <a:endParaRPr kumimoji="1" lang="ko-Kore-KR" altLang="en-US"/>
           </a:p>
@@ -678,7 +678,7 @@
           <a:p>
             <a:fld id="{AE273AFF-4CF1-4D47-9583-E1EF9B287728}" type="datetimeFigureOut">
               <a:rPr kumimoji="1" lang="ko-Kore-KR" altLang="en-US" smtClean="0"/>
-              <a:t>2020. 7. 10.</a:t>
+              <a:t>7/24/20</a:t>
             </a:fld>
             <a:endParaRPr kumimoji="1" lang="ko-Kore-KR" altLang="en-US"/>
           </a:p>
@@ -894,7 +894,7 @@
           <a:p>
             <a:fld id="{AE273AFF-4CF1-4D47-9583-E1EF9B287728}" type="datetimeFigureOut">
               <a:rPr kumimoji="1" lang="ko-Kore-KR" altLang="en-US" smtClean="0"/>
-              <a:t>2020. 7. 10.</a:t>
+              <a:t>7/24/20</a:t>
             </a:fld>
             <a:endParaRPr kumimoji="1" lang="ko-Kore-KR" altLang="en-US" dirty="0"/>
           </a:p>
@@ -1217,7 +1217,7 @@
           <a:p>
             <a:fld id="{AE273AFF-4CF1-4D47-9583-E1EF9B287728}" type="datetimeFigureOut">
               <a:rPr kumimoji="1" lang="ko-Kore-KR" altLang="en-US" smtClean="0"/>
-              <a:t>2020. 7. 10.</a:t>
+              <a:t>7/24/20</a:t>
             </a:fld>
             <a:endParaRPr kumimoji="1" lang="ko-Kore-KR" altLang="en-US"/>
           </a:p>
@@ -1485,7 +1485,7 @@
           <a:p>
             <a:fld id="{AE273AFF-4CF1-4D47-9583-E1EF9B287728}" type="datetimeFigureOut">
               <a:rPr kumimoji="1" lang="ko-Kore-KR" altLang="en-US" smtClean="0"/>
-              <a:t>2020. 7. 10.</a:t>
+              <a:t>7/24/20</a:t>
             </a:fld>
             <a:endParaRPr kumimoji="1" lang="ko-Kore-KR" altLang="en-US"/>
           </a:p>
@@ -1900,7 +1900,7 @@
           <a:p>
             <a:fld id="{AE273AFF-4CF1-4D47-9583-E1EF9B287728}" type="datetimeFigureOut">
               <a:rPr kumimoji="1" lang="ko-Kore-KR" altLang="en-US" smtClean="0"/>
-              <a:t>2020. 7. 10.</a:t>
+              <a:t>7/24/20</a:t>
             </a:fld>
             <a:endParaRPr kumimoji="1" lang="ko-Kore-KR" altLang="en-US"/>
           </a:p>
@@ -2042,7 +2042,7 @@
           <a:p>
             <a:fld id="{AE273AFF-4CF1-4D47-9583-E1EF9B287728}" type="datetimeFigureOut">
               <a:rPr kumimoji="1" lang="ko-Kore-KR" altLang="en-US" smtClean="0"/>
-              <a:t>2020. 7. 10.</a:t>
+              <a:t>7/24/20</a:t>
             </a:fld>
             <a:endParaRPr kumimoji="1" lang="ko-Kore-KR" altLang="en-US"/>
           </a:p>
@@ -2155,7 +2155,7 @@
           <a:p>
             <a:fld id="{AE273AFF-4CF1-4D47-9583-E1EF9B287728}" type="datetimeFigureOut">
               <a:rPr kumimoji="1" lang="ko-Kore-KR" altLang="en-US" smtClean="0"/>
-              <a:t>2020. 7. 10.</a:t>
+              <a:t>7/24/20</a:t>
             </a:fld>
             <a:endParaRPr kumimoji="1" lang="ko-Kore-KR" altLang="en-US"/>
           </a:p>
@@ -2468,7 +2468,7 @@
           <a:p>
             <a:fld id="{AE273AFF-4CF1-4D47-9583-E1EF9B287728}" type="datetimeFigureOut">
               <a:rPr kumimoji="1" lang="ko-Kore-KR" altLang="en-US" smtClean="0"/>
-              <a:t>2020. 7. 10.</a:t>
+              <a:t>7/24/20</a:t>
             </a:fld>
             <a:endParaRPr kumimoji="1" lang="ko-Kore-KR" altLang="en-US"/>
           </a:p>
@@ -2757,7 +2757,7 @@
           <a:p>
             <a:fld id="{AE273AFF-4CF1-4D47-9583-E1EF9B287728}" type="datetimeFigureOut">
               <a:rPr kumimoji="1" lang="ko-Kore-KR" altLang="en-US" smtClean="0"/>
-              <a:t>2020. 7. 10.</a:t>
+              <a:t>7/24/20</a:t>
             </a:fld>
             <a:endParaRPr kumimoji="1" lang="ko-Kore-KR" altLang="en-US"/>
           </a:p>
@@ -3000,7 +3000,7 @@
           <a:p>
             <a:fld id="{AE273AFF-4CF1-4D47-9583-E1EF9B287728}" type="datetimeFigureOut">
               <a:rPr kumimoji="1" lang="ko-Kore-KR" altLang="en-US" smtClean="0"/>
-              <a:t>2020. 7. 10.</a:t>
+              <a:t>7/24/20</a:t>
             </a:fld>
             <a:endParaRPr kumimoji="1" lang="ko-Kore-KR" altLang="en-US"/>
           </a:p>
@@ -4205,7 +4205,7 @@
             </a:br>
             <a:r>
               <a:rPr kumimoji="1" lang="ko-KR" altLang="en-US" dirty="0"/>
-              <a:t>사용자가 키워드로 데이터를 검색하거나 다양한 방법으로 필터링할 수 있게 제공</a:t>
+              <a:t>비동기 처리를 위해 다른 프로세스로 메시지 전달</a:t>
             </a:r>
             <a:br>
               <a:rPr kumimoji="1" lang="en-US" altLang="ko-KR" dirty="0"/>
